--- a/Presentation/mkarta.uz Technical requirement presentation — uzb.pptx
+++ b/Presentation/mkarta.uz Technical requirement presentation — uzb.pptx
@@ -269,7 +269,7 @@
           <a:p>
             <a:fld id="{055FAE5C-355E-4A36-84AB-9279FAA04DDD}" type="datetimeFigureOut">
               <a:rPr lang="ru-RU" smtClean="0"/>
-              <a:t>19.02.2020</a:t>
+              <a:t>20.02.2020</a:t>
             </a:fld>
             <a:endParaRPr lang="ru-RU"/>
           </a:p>
@@ -467,7 +467,7 @@
           <a:p>
             <a:fld id="{055FAE5C-355E-4A36-84AB-9279FAA04DDD}" type="datetimeFigureOut">
               <a:rPr lang="ru-RU" smtClean="0"/>
-              <a:t>19.02.2020</a:t>
+              <a:t>20.02.2020</a:t>
             </a:fld>
             <a:endParaRPr lang="ru-RU"/>
           </a:p>
@@ -675,7 +675,7 @@
           <a:p>
             <a:fld id="{055FAE5C-355E-4A36-84AB-9279FAA04DDD}" type="datetimeFigureOut">
               <a:rPr lang="ru-RU" smtClean="0"/>
-              <a:t>19.02.2020</a:t>
+              <a:t>20.02.2020</a:t>
             </a:fld>
             <a:endParaRPr lang="ru-RU"/>
           </a:p>
@@ -873,7 +873,7 @@
           <a:p>
             <a:fld id="{055FAE5C-355E-4A36-84AB-9279FAA04DDD}" type="datetimeFigureOut">
               <a:rPr lang="ru-RU" smtClean="0"/>
-              <a:t>19.02.2020</a:t>
+              <a:t>20.02.2020</a:t>
             </a:fld>
             <a:endParaRPr lang="ru-RU"/>
           </a:p>
@@ -1148,7 +1148,7 @@
           <a:p>
             <a:fld id="{055FAE5C-355E-4A36-84AB-9279FAA04DDD}" type="datetimeFigureOut">
               <a:rPr lang="ru-RU" smtClean="0"/>
-              <a:t>19.02.2020</a:t>
+              <a:t>20.02.2020</a:t>
             </a:fld>
             <a:endParaRPr lang="ru-RU"/>
           </a:p>
@@ -1413,7 +1413,7 @@
           <a:p>
             <a:fld id="{055FAE5C-355E-4A36-84AB-9279FAA04DDD}" type="datetimeFigureOut">
               <a:rPr lang="ru-RU" smtClean="0"/>
-              <a:t>19.02.2020</a:t>
+              <a:t>20.02.2020</a:t>
             </a:fld>
             <a:endParaRPr lang="ru-RU"/>
           </a:p>
@@ -1825,7 +1825,7 @@
           <a:p>
             <a:fld id="{055FAE5C-355E-4A36-84AB-9279FAA04DDD}" type="datetimeFigureOut">
               <a:rPr lang="ru-RU" smtClean="0"/>
-              <a:t>19.02.2020</a:t>
+              <a:t>20.02.2020</a:t>
             </a:fld>
             <a:endParaRPr lang="ru-RU"/>
           </a:p>
@@ -1966,7 +1966,7 @@
           <a:p>
             <a:fld id="{055FAE5C-355E-4A36-84AB-9279FAA04DDD}" type="datetimeFigureOut">
               <a:rPr lang="ru-RU" smtClean="0"/>
-              <a:t>19.02.2020</a:t>
+              <a:t>20.02.2020</a:t>
             </a:fld>
             <a:endParaRPr lang="ru-RU"/>
           </a:p>
@@ -2079,7 +2079,7 @@
           <a:p>
             <a:fld id="{055FAE5C-355E-4A36-84AB-9279FAA04DDD}" type="datetimeFigureOut">
               <a:rPr lang="ru-RU" smtClean="0"/>
-              <a:t>19.02.2020</a:t>
+              <a:t>20.02.2020</a:t>
             </a:fld>
             <a:endParaRPr lang="ru-RU"/>
           </a:p>
@@ -2390,7 +2390,7 @@
           <a:p>
             <a:fld id="{055FAE5C-355E-4A36-84AB-9279FAA04DDD}" type="datetimeFigureOut">
               <a:rPr lang="ru-RU" smtClean="0"/>
-              <a:t>19.02.2020</a:t>
+              <a:t>20.02.2020</a:t>
             </a:fld>
             <a:endParaRPr lang="ru-RU"/>
           </a:p>
@@ -2678,7 +2678,7 @@
           <a:p>
             <a:fld id="{055FAE5C-355E-4A36-84AB-9279FAA04DDD}" type="datetimeFigureOut">
               <a:rPr lang="ru-RU" smtClean="0"/>
-              <a:t>19.02.2020</a:t>
+              <a:t>20.02.2020</a:t>
             </a:fld>
             <a:endParaRPr lang="ru-RU"/>
           </a:p>
@@ -2919,7 +2919,7 @@
           <a:p>
             <a:fld id="{055FAE5C-355E-4A36-84AB-9279FAA04DDD}" type="datetimeFigureOut">
               <a:rPr lang="ru-RU" smtClean="0"/>
-              <a:t>19.02.2020</a:t>
+              <a:t>20.02.2020</a:t>
             </a:fld>
             <a:endParaRPr lang="ru-RU"/>
           </a:p>
@@ -3992,7 +3992,15 @@
             </a:r>
             <a:r>
               <a:rPr lang="uz-Cyrl-UZ" b="1" dirty="0"/>
-              <a:t> веб саҳифаси мақсади</a:t>
+              <a:t> </a:t>
+            </a:r>
+            <a:r>
+              <a:rPr lang="uz-Cyrl-UZ" b="1"/>
+              <a:t>веб сайт </a:t>
+            </a:r>
+            <a:r>
+              <a:rPr lang="uz-Cyrl-UZ" b="1" dirty="0"/>
+              <a:t>мақсади</a:t>
             </a:r>
             <a:endParaRPr lang="ru-RU" b="1" dirty="0"/>
           </a:p>
@@ -5414,7 +5422,7 @@
           <p:nvPr>
             <p:extLst>
               <p:ext uri="{D42A27DB-BD31-4B8C-83A1-F6EECF244321}">
-                <p14:modId xmlns:p14="http://schemas.microsoft.com/office/powerpoint/2010/main" val="650004669"/>
+                <p14:modId xmlns:p14="http://schemas.microsoft.com/office/powerpoint/2010/main" val="3851440838"/>
               </p:ext>
             </p:extLst>
           </p:nvPr>
@@ -5725,8 +5733,12 @@
                     <a:lstStyle/>
                     <a:p>
                       <a:r>
+                        <a:rPr lang="uz-Cyrl-UZ"/>
+                        <a:t>Бу </a:t>
+                      </a:r>
+                      <a:r>
                         <a:rPr lang="uz-Cyrl-UZ" dirty="0"/>
-                        <a:t>Бе ерда докторлар ўзининг докторлигини тасдиқловчи ҳужжатларни юклайди. Сайт администратори юкланган ҳужжатлар асосида фойдаланувчини доктор гуруҳига қўшади. Докторлик маълумотлари (ҳужжатлари)ни кўришга барча фойдаланувчиларга рухсат берилган бўлади.</a:t>
+                        <a:t>ерда докторлар ўзининг докторлигини тасдиқловчи ҳужжатларни юклайди. Сайт администратори юкланган ҳужжатлар асосида фойдаланувчини доктор гуруҳига қўшади. Докторлик маълумотлари (ҳужжатлари)ни кўришга барча фойдаланувчиларга рухсат берилган бўлади.</a:t>
                       </a:r>
                       <a:endParaRPr lang="ru-RU" dirty="0"/>
                     </a:p>
